--- a/Week15/02 Dog Rescue - Create Maven Project.pptx
+++ b/Week15/02 Dog Rescue - Create Maven Project.pptx
@@ -117,6 +117,35 @@
 </p:presentation>
 </file>
 
+<file path=ppt/changesInfos/changesInfo1.xml><?xml version="1.0" encoding="utf-8"?>
+<pc:chgInfo xmlns:a="http://schemas.openxmlformats.org/drawingml/2006/main" xmlns:r="http://schemas.openxmlformats.org/officeDocument/2006/relationships" xmlns:ac="http://schemas.microsoft.com/office/drawing/2013/main/command" xmlns:pc="http://schemas.microsoft.com/office/powerpoint/2013/main/command">
+  <pc:docChgLst>
+    <pc:chgData name="Chuck Kiefriter" userId="a996b49251c4dfd2" providerId="LiveId" clId="{0D4F921B-86DB-4F15-91E2-81DF8CE26048}"/>
+    <pc:docChg chg="modSld">
+      <pc:chgData name="Chuck Kiefriter" userId="a996b49251c4dfd2" providerId="LiveId" clId="{0D4F921B-86DB-4F15-91E2-81DF8CE26048}" dt="2024-05-15T23:02:57.779" v="0" actId="14100"/>
+      <pc:docMkLst>
+        <pc:docMk/>
+      </pc:docMkLst>
+      <pc:sldChg chg="modSp mod">
+        <pc:chgData name="Chuck Kiefriter" userId="a996b49251c4dfd2" providerId="LiveId" clId="{0D4F921B-86DB-4F15-91E2-81DF8CE26048}" dt="2024-05-15T23:02:57.779" v="0" actId="14100"/>
+        <pc:sldMkLst>
+          <pc:docMk/>
+          <pc:sldMk cId="3729568631" sldId="258"/>
+        </pc:sldMkLst>
+        <pc:spChg chg="mod">
+          <ac:chgData name="Chuck Kiefriter" userId="a996b49251c4dfd2" providerId="LiveId" clId="{0D4F921B-86DB-4F15-91E2-81DF8CE26048}" dt="2024-05-15T23:02:57.779" v="0" actId="14100"/>
+          <ac:spMkLst>
+            <pc:docMk/>
+            <pc:sldMk cId="3729568631" sldId="258"/>
+            <ac:spMk id="3" creationId="{DDBCC4E4-5860-48A3-C3A6-0F2470CDADEF}"/>
+          </ac:spMkLst>
+        </pc:spChg>
+      </pc:sldChg>
+    </pc:docChg>
+  </pc:docChgLst>
+</pc:chgInfo>
+</file>
+
 <file path=ppt/slideLayouts/slideLayout1.xml><?xml version="1.0" encoding="utf-8"?>
 <p:sldLayout xmlns:a="http://schemas.openxmlformats.org/drawingml/2006/main" xmlns:r="http://schemas.openxmlformats.org/officeDocument/2006/relationships" xmlns:p="http://schemas.openxmlformats.org/presentationml/2006/main" type="title" preserve="1">
   <p:cSld name="Title Slide">
@@ -248,7 +277,7 @@
           <a:p>
             <a:fld id="{FF54184E-8AD0-4B31-9381-AE8406F0EE66}" type="datetimeFigureOut">
               <a:rPr lang="en-US" smtClean="0"/>
-              <a:t>1/3/2023</a:t>
+              <a:t>5/15/2024</a:t>
             </a:fld>
             <a:endParaRPr lang="en-US"/>
           </a:p>
@@ -418,7 +447,7 @@
           <a:p>
             <a:fld id="{FF54184E-8AD0-4B31-9381-AE8406F0EE66}" type="datetimeFigureOut">
               <a:rPr lang="en-US" smtClean="0"/>
-              <a:t>1/3/2023</a:t>
+              <a:t>5/15/2024</a:t>
             </a:fld>
             <a:endParaRPr lang="en-US"/>
           </a:p>
@@ -598,7 +627,7 @@
           <a:p>
             <a:fld id="{FF54184E-8AD0-4B31-9381-AE8406F0EE66}" type="datetimeFigureOut">
               <a:rPr lang="en-US" smtClean="0"/>
-              <a:t>1/3/2023</a:t>
+              <a:t>5/15/2024</a:t>
             </a:fld>
             <a:endParaRPr lang="en-US"/>
           </a:p>
@@ -768,7 +797,7 @@
           <a:p>
             <a:fld id="{FF54184E-8AD0-4B31-9381-AE8406F0EE66}" type="datetimeFigureOut">
               <a:rPr lang="en-US" smtClean="0"/>
-              <a:t>1/3/2023</a:t>
+              <a:t>5/15/2024</a:t>
             </a:fld>
             <a:endParaRPr lang="en-US"/>
           </a:p>
@@ -1014,7 +1043,7 @@
           <a:p>
             <a:fld id="{FF54184E-8AD0-4B31-9381-AE8406F0EE66}" type="datetimeFigureOut">
               <a:rPr lang="en-US" smtClean="0"/>
-              <a:t>1/3/2023</a:t>
+              <a:t>5/15/2024</a:t>
             </a:fld>
             <a:endParaRPr lang="en-US"/>
           </a:p>
@@ -1246,7 +1275,7 @@
           <a:p>
             <a:fld id="{FF54184E-8AD0-4B31-9381-AE8406F0EE66}" type="datetimeFigureOut">
               <a:rPr lang="en-US" smtClean="0"/>
-              <a:t>1/3/2023</a:t>
+              <a:t>5/15/2024</a:t>
             </a:fld>
             <a:endParaRPr lang="en-US"/>
           </a:p>
@@ -1613,7 +1642,7 @@
           <a:p>
             <a:fld id="{FF54184E-8AD0-4B31-9381-AE8406F0EE66}" type="datetimeFigureOut">
               <a:rPr lang="en-US" smtClean="0"/>
-              <a:t>1/3/2023</a:t>
+              <a:t>5/15/2024</a:t>
             </a:fld>
             <a:endParaRPr lang="en-US"/>
           </a:p>
@@ -1731,7 +1760,7 @@
           <a:p>
             <a:fld id="{FF54184E-8AD0-4B31-9381-AE8406F0EE66}" type="datetimeFigureOut">
               <a:rPr lang="en-US" smtClean="0"/>
-              <a:t>1/3/2023</a:t>
+              <a:t>5/15/2024</a:t>
             </a:fld>
             <a:endParaRPr lang="en-US"/>
           </a:p>
@@ -1826,7 +1855,7 @@
           <a:p>
             <a:fld id="{FF54184E-8AD0-4B31-9381-AE8406F0EE66}" type="datetimeFigureOut">
               <a:rPr lang="en-US" smtClean="0"/>
-              <a:t>1/3/2023</a:t>
+              <a:t>5/15/2024</a:t>
             </a:fld>
             <a:endParaRPr lang="en-US"/>
           </a:p>
@@ -2103,7 +2132,7 @@
           <a:p>
             <a:fld id="{FF54184E-8AD0-4B31-9381-AE8406F0EE66}" type="datetimeFigureOut">
               <a:rPr lang="en-US" smtClean="0"/>
-              <a:t>1/3/2023</a:t>
+              <a:t>5/15/2024</a:t>
             </a:fld>
             <a:endParaRPr lang="en-US"/>
           </a:p>
@@ -2360,7 +2389,7 @@
           <a:p>
             <a:fld id="{FF54184E-8AD0-4B31-9381-AE8406F0EE66}" type="datetimeFigureOut">
               <a:rPr lang="en-US" smtClean="0"/>
-              <a:t>1/3/2023</a:t>
+              <a:t>5/15/2024</a:t>
             </a:fld>
             <a:endParaRPr lang="en-US"/>
           </a:p>
@@ -2573,7 +2602,7 @@
           <a:p>
             <a:fld id="{FF54184E-8AD0-4B31-9381-AE8406F0EE66}" type="datetimeFigureOut">
               <a:rPr lang="en-US" smtClean="0"/>
-              <a:t>1/3/2023</a:t>
+              <a:t>5/15/2024</a:t>
             </a:fld>
             <a:endParaRPr lang="en-US"/>
           </a:p>
@@ -3279,7 +3308,7 @@
         <p:spPr>
           <a:xfrm>
             <a:off x="838200" y="1825625"/>
-            <a:ext cx="5706979" cy="4351338"/>
+            <a:ext cx="11353800" cy="4351338"/>
           </a:xfrm>
         </p:spPr>
         <p:txBody>

--- a/Week15/02 Dog Rescue - Create Maven Project.pptx
+++ b/Week15/02 Dog Rescue - Create Maven Project.pptx
@@ -120,6 +120,46 @@
 <file path=ppt/changesInfos/changesInfo1.xml><?xml version="1.0" encoding="utf-8"?>
 <pc:chgInfo xmlns:a="http://schemas.openxmlformats.org/drawingml/2006/main" xmlns:r="http://schemas.openxmlformats.org/officeDocument/2006/relationships" xmlns:ac="http://schemas.microsoft.com/office/drawing/2013/main/command" xmlns:pc="http://schemas.microsoft.com/office/powerpoint/2013/main/command">
   <pc:docChgLst>
+    <pc:chgData name="Chuck Kiefriter" userId="a996b49251c4dfd2" providerId="LiveId" clId="{DFE6D99F-D3AB-49DC-AEB0-795BDE2FDE4F}"/>
+    <pc:docChg chg="modSld">
+      <pc:chgData name="Chuck Kiefriter" userId="a996b49251c4dfd2" providerId="LiveId" clId="{DFE6D99F-D3AB-49DC-AEB0-795BDE2FDE4F}" dt="2025-03-25T23:24:06.225" v="0" actId="14100"/>
+      <pc:docMkLst>
+        <pc:docMk/>
+      </pc:docMkLst>
+      <pc:sldChg chg="modSp mod">
+        <pc:chgData name="Chuck Kiefriter" userId="a996b49251c4dfd2" providerId="LiveId" clId="{DFE6D99F-D3AB-49DC-AEB0-795BDE2FDE4F}" dt="2025-03-25T23:24:06.225" v="0" actId="14100"/>
+        <pc:sldMkLst>
+          <pc:docMk/>
+          <pc:sldMk cId="1407592879" sldId="260"/>
+        </pc:sldMkLst>
+        <pc:spChg chg="mod">
+          <ac:chgData name="Chuck Kiefriter" userId="a996b49251c4dfd2" providerId="LiveId" clId="{DFE6D99F-D3AB-49DC-AEB0-795BDE2FDE4F}" dt="2025-03-25T23:24:06.225" v="0" actId="14100"/>
+          <ac:spMkLst>
+            <pc:docMk/>
+            <pc:sldMk cId="1407592879" sldId="260"/>
+            <ac:spMk id="3" creationId="{B4FA7D99-A7CA-DB91-24A9-1D42CB828FF9}"/>
+          </ac:spMkLst>
+        </pc:spChg>
+      </pc:sldChg>
+    </pc:docChg>
+  </pc:docChgLst>
+  <pc:docChgLst>
+    <pc:chgData name="Chuck Kiefriter" userId="a996b49251c4dfd2" providerId="LiveId" clId="{E7C3B820-55D6-4DC9-BCC9-3443D704C451}"/>
+    <pc:docChg chg="addSld delSld">
+      <pc:chgData name="Chuck Kiefriter" userId="a996b49251c4dfd2" providerId="LiveId" clId="{E7C3B820-55D6-4DC9-BCC9-3443D704C451}" dt="2024-11-14T00:57:20.534" v="1" actId="47"/>
+      <pc:docMkLst>
+        <pc:docMk/>
+      </pc:docMkLst>
+      <pc:sldChg chg="new del">
+        <pc:chgData name="Chuck Kiefriter" userId="a996b49251c4dfd2" providerId="LiveId" clId="{E7C3B820-55D6-4DC9-BCC9-3443D704C451}" dt="2024-11-14T00:57:20.534" v="1" actId="47"/>
+        <pc:sldMkLst>
+          <pc:docMk/>
+          <pc:sldMk cId="2850049417" sldId="262"/>
+        </pc:sldMkLst>
+      </pc:sldChg>
+    </pc:docChg>
+  </pc:docChgLst>
+  <pc:docChgLst>
     <pc:chgData name="Chuck Kiefriter" userId="a996b49251c4dfd2" providerId="LiveId" clId="{0D4F921B-86DB-4F15-91E2-81DF8CE26048}"/>
     <pc:docChg chg="modSld">
       <pc:chgData name="Chuck Kiefriter" userId="a996b49251c4dfd2" providerId="LiveId" clId="{0D4F921B-86DB-4F15-91E2-81DF8CE26048}" dt="2024-05-15T23:02:57.779" v="0" actId="14100"/>
@@ -132,14 +172,6 @@
           <pc:docMk/>
           <pc:sldMk cId="3729568631" sldId="258"/>
         </pc:sldMkLst>
-        <pc:spChg chg="mod">
-          <ac:chgData name="Chuck Kiefriter" userId="a996b49251c4dfd2" providerId="LiveId" clId="{0D4F921B-86DB-4F15-91E2-81DF8CE26048}" dt="2024-05-15T23:02:57.779" v="0" actId="14100"/>
-          <ac:spMkLst>
-            <pc:docMk/>
-            <pc:sldMk cId="3729568631" sldId="258"/>
-            <ac:spMk id="3" creationId="{DDBCC4E4-5860-48A3-C3A6-0F2470CDADEF}"/>
-          </ac:spMkLst>
-        </pc:spChg>
       </pc:sldChg>
     </pc:docChg>
   </pc:docChgLst>
@@ -277,7 +309,7 @@
           <a:p>
             <a:fld id="{FF54184E-8AD0-4B31-9381-AE8406F0EE66}" type="datetimeFigureOut">
               <a:rPr lang="en-US" smtClean="0"/>
-              <a:t>5/15/2024</a:t>
+              <a:t>3/25/2025</a:t>
             </a:fld>
             <a:endParaRPr lang="en-US"/>
           </a:p>
@@ -447,7 +479,7 @@
           <a:p>
             <a:fld id="{FF54184E-8AD0-4B31-9381-AE8406F0EE66}" type="datetimeFigureOut">
               <a:rPr lang="en-US" smtClean="0"/>
-              <a:t>5/15/2024</a:t>
+              <a:t>3/25/2025</a:t>
             </a:fld>
             <a:endParaRPr lang="en-US"/>
           </a:p>
@@ -627,7 +659,7 @@
           <a:p>
             <a:fld id="{FF54184E-8AD0-4B31-9381-AE8406F0EE66}" type="datetimeFigureOut">
               <a:rPr lang="en-US" smtClean="0"/>
-              <a:t>5/15/2024</a:t>
+              <a:t>3/25/2025</a:t>
             </a:fld>
             <a:endParaRPr lang="en-US"/>
           </a:p>
@@ -797,7 +829,7 @@
           <a:p>
             <a:fld id="{FF54184E-8AD0-4B31-9381-AE8406F0EE66}" type="datetimeFigureOut">
               <a:rPr lang="en-US" smtClean="0"/>
-              <a:t>5/15/2024</a:t>
+              <a:t>3/25/2025</a:t>
             </a:fld>
             <a:endParaRPr lang="en-US"/>
           </a:p>
@@ -1043,7 +1075,7 @@
           <a:p>
             <a:fld id="{FF54184E-8AD0-4B31-9381-AE8406F0EE66}" type="datetimeFigureOut">
               <a:rPr lang="en-US" smtClean="0"/>
-              <a:t>5/15/2024</a:t>
+              <a:t>3/25/2025</a:t>
             </a:fld>
             <a:endParaRPr lang="en-US"/>
           </a:p>
@@ -1275,7 +1307,7 @@
           <a:p>
             <a:fld id="{FF54184E-8AD0-4B31-9381-AE8406F0EE66}" type="datetimeFigureOut">
               <a:rPr lang="en-US" smtClean="0"/>
-              <a:t>5/15/2024</a:t>
+              <a:t>3/25/2025</a:t>
             </a:fld>
             <a:endParaRPr lang="en-US"/>
           </a:p>
@@ -1642,7 +1674,7 @@
           <a:p>
             <a:fld id="{FF54184E-8AD0-4B31-9381-AE8406F0EE66}" type="datetimeFigureOut">
               <a:rPr lang="en-US" smtClean="0"/>
-              <a:t>5/15/2024</a:t>
+              <a:t>3/25/2025</a:t>
             </a:fld>
             <a:endParaRPr lang="en-US"/>
           </a:p>
@@ -1760,7 +1792,7 @@
           <a:p>
             <a:fld id="{FF54184E-8AD0-4B31-9381-AE8406F0EE66}" type="datetimeFigureOut">
               <a:rPr lang="en-US" smtClean="0"/>
-              <a:t>5/15/2024</a:t>
+              <a:t>3/25/2025</a:t>
             </a:fld>
             <a:endParaRPr lang="en-US"/>
           </a:p>
@@ -1855,7 +1887,7 @@
           <a:p>
             <a:fld id="{FF54184E-8AD0-4B31-9381-AE8406F0EE66}" type="datetimeFigureOut">
               <a:rPr lang="en-US" smtClean="0"/>
-              <a:t>5/15/2024</a:t>
+              <a:t>3/25/2025</a:t>
             </a:fld>
             <a:endParaRPr lang="en-US"/>
           </a:p>
@@ -2132,7 +2164,7 @@
           <a:p>
             <a:fld id="{FF54184E-8AD0-4B31-9381-AE8406F0EE66}" type="datetimeFigureOut">
               <a:rPr lang="en-US" smtClean="0"/>
-              <a:t>5/15/2024</a:t>
+              <a:t>3/25/2025</a:t>
             </a:fld>
             <a:endParaRPr lang="en-US"/>
           </a:p>
@@ -2389,7 +2421,7 @@
           <a:p>
             <a:fld id="{FF54184E-8AD0-4B31-9381-AE8406F0EE66}" type="datetimeFigureOut">
               <a:rPr lang="en-US" smtClean="0"/>
-              <a:t>5/15/2024</a:t>
+              <a:t>3/25/2025</a:t>
             </a:fld>
             <a:endParaRPr lang="en-US"/>
           </a:p>
@@ -2602,7 +2634,7 @@
           <a:p>
             <a:fld id="{FF54184E-8AD0-4B31-9381-AE8406F0EE66}" type="datetimeFigureOut">
               <a:rPr lang="en-US" smtClean="0"/>
-              <a:t>5/15/2024</a:t>
+              <a:t>3/25/2025</a:t>
             </a:fld>
             <a:endParaRPr lang="en-US"/>
           </a:p>
@@ -3639,7 +3671,7 @@
         <p:spPr>
           <a:xfrm>
             <a:off x="838200" y="1825625"/>
-            <a:ext cx="5594684" cy="4351338"/>
+            <a:ext cx="9177670" cy="4351338"/>
           </a:xfrm>
         </p:spPr>
         <p:txBody>
